--- a/doc/Op-i.pptx
+++ b/doc/Op-i.pptx
@@ -7,11 +7,12 @@
   <p:sldIdLst>
     <p:sldId id="256" r:id="rId2"/>
     <p:sldId id="257" r:id="rId3"/>
-    <p:sldId id="258" r:id="rId4"/>
-    <p:sldId id="259" r:id="rId5"/>
-    <p:sldId id="260" r:id="rId6"/>
-    <p:sldId id="261" r:id="rId7"/>
-    <p:sldId id="262" r:id="rId8"/>
+    <p:sldId id="263" r:id="rId4"/>
+    <p:sldId id="258" r:id="rId5"/>
+    <p:sldId id="259" r:id="rId6"/>
+    <p:sldId id="260" r:id="rId7"/>
+    <p:sldId id="261" r:id="rId8"/>
+    <p:sldId id="262" r:id="rId9"/>
   </p:sldIdLst>
   <p:sldSz cx="9144000" cy="6858000" type="screen4x3"/>
   <p:notesSz cx="6858000" cy="9144000"/>
@@ -378,7 +379,7 @@
           <a:p>
             <a:fld id="{FBDF159F-3FBE-485B-9336-520054556E81}" type="datetimeFigureOut">
               <a:rPr lang="en-AU" smtClean="0"/>
-              <a:t>14/02/2013</a:t>
+              <a:t>18/02/2013</a:t>
             </a:fld>
             <a:endParaRPr lang="en-AU"/>
           </a:p>
@@ -989,7 +990,7 @@
           <a:p>
             <a:fld id="{FBDF159F-3FBE-485B-9336-520054556E81}" type="datetimeFigureOut">
               <a:rPr lang="en-AU" smtClean="0"/>
-              <a:t>14/02/2013</a:t>
+              <a:t>18/02/2013</a:t>
             </a:fld>
             <a:endParaRPr lang="en-AU"/>
           </a:p>
@@ -1171,7 +1172,7 @@
           <a:p>
             <a:fld id="{FBDF159F-3FBE-485B-9336-520054556E81}" type="datetimeFigureOut">
               <a:rPr lang="en-AU" smtClean="0"/>
-              <a:t>14/02/2013</a:t>
+              <a:t>18/02/2013</a:t>
             </a:fld>
             <a:endParaRPr lang="en-AU"/>
           </a:p>
@@ -1399,7 +1400,7 @@
           <a:p>
             <a:fld id="{FBDF159F-3FBE-485B-9336-520054556E81}" type="datetimeFigureOut">
               <a:rPr lang="en-AU" smtClean="0"/>
-              <a:t>14/02/2013</a:t>
+              <a:t>18/02/2013</a:t>
             </a:fld>
             <a:endParaRPr lang="en-AU"/>
           </a:p>
@@ -1653,7 +1654,7 @@
           <a:p>
             <a:fld id="{FBDF159F-3FBE-485B-9336-520054556E81}" type="datetimeFigureOut">
               <a:rPr lang="en-AU" smtClean="0"/>
-              <a:t>14/02/2013</a:t>
+              <a:t>18/02/2013</a:t>
             </a:fld>
             <a:endParaRPr lang="en-AU"/>
           </a:p>
@@ -1777,7 +1778,7 @@
           <a:p>
             <a:fld id="{FBDF159F-3FBE-485B-9336-520054556E81}" type="datetimeFigureOut">
               <a:rPr lang="en-AU" smtClean="0"/>
-              <a:t>14/02/2013</a:t>
+              <a:t>18/02/2013</a:t>
             </a:fld>
             <a:endParaRPr lang="en-AU"/>
           </a:p>
@@ -2149,7 +2150,7 @@
           <a:p>
             <a:fld id="{FBDF159F-3FBE-485B-9336-520054556E81}" type="datetimeFigureOut">
               <a:rPr lang="en-AU" smtClean="0"/>
-              <a:t>14/02/2013</a:t>
+              <a:t>18/02/2013</a:t>
             </a:fld>
             <a:endParaRPr lang="en-AU"/>
           </a:p>
@@ -2387,7 +2388,7 @@
           <a:p>
             <a:fld id="{FBDF159F-3FBE-485B-9336-520054556E81}" type="datetimeFigureOut">
               <a:rPr lang="en-AU" smtClean="0"/>
-              <a:t>14/02/2013</a:t>
+              <a:t>18/02/2013</a:t>
             </a:fld>
             <a:endParaRPr lang="en-AU"/>
           </a:p>
@@ -2484,7 +2485,7 @@
           <a:p>
             <a:fld id="{FBDF159F-3FBE-485B-9336-520054556E81}" type="datetimeFigureOut">
               <a:rPr lang="en-AU" smtClean="0"/>
-              <a:t>14/02/2013</a:t>
+              <a:t>18/02/2013</a:t>
             </a:fld>
             <a:endParaRPr lang="en-AU"/>
           </a:p>
@@ -2750,7 +2751,7 @@
           <a:p>
             <a:fld id="{FBDF159F-3FBE-485B-9336-520054556E81}" type="datetimeFigureOut">
               <a:rPr lang="en-AU" smtClean="0"/>
-              <a:t>14/02/2013</a:t>
+              <a:t>18/02/2013</a:t>
             </a:fld>
             <a:endParaRPr lang="en-AU"/>
           </a:p>
@@ -3021,7 +3022,7 @@
           <a:p>
             <a:fld id="{FBDF159F-3FBE-485B-9336-520054556E81}" type="datetimeFigureOut">
               <a:rPr lang="en-AU" smtClean="0"/>
-              <a:t>14/02/2013</a:t>
+              <a:t>18/02/2013</a:t>
             </a:fld>
             <a:endParaRPr lang="en-AU"/>
           </a:p>
@@ -3562,7 +3563,7 @@
           <a:p>
             <a:fld id="{FBDF159F-3FBE-485B-9336-520054556E81}" type="datetimeFigureOut">
               <a:rPr lang="en-AU" smtClean="0"/>
-              <a:t>14/02/2013</a:t>
+              <a:t>18/02/2013</a:t>
             </a:fld>
             <a:endParaRPr lang="en-AU"/>
           </a:p>
@@ -4147,6 +4148,55 @@
           <a:bodyPr/>
           <a:lstStyle/>
           <a:p>
+            <a:r>
+              <a:rPr lang="en-AU" dirty="0" smtClean="0"/>
+              <a:t>log4net and its competitors are stale, long in the tooth</a:t>
+            </a:r>
+          </a:p>
+          <a:p>
+            <a:pPr lvl="1"/>
+            <a:r>
+              <a:rPr lang="en-AU" dirty="0" smtClean="0"/>
+              <a:t>Valuable data is devalued because its structure is ignored by the tooling</a:t>
+            </a:r>
+          </a:p>
+          <a:p>
+            <a:pPr lvl="1"/>
+            <a:r>
+              <a:rPr lang="en-AU" dirty="0" smtClean="0"/>
+              <a:t>Programmatic configuration is hard</a:t>
+            </a:r>
+          </a:p>
+          <a:p>
+            <a:pPr lvl="1"/>
+            <a:r>
+              <a:rPr lang="en-AU" dirty="0" smtClean="0"/>
+              <a:t>Incumbency means ultra-stability/inflexibility</a:t>
+            </a:r>
+          </a:p>
+          <a:p>
+            <a:r>
+              <a:rPr lang="en-AU" dirty="0" smtClean="0"/>
+              <a:t>Developers are lookin</a:t>
+            </a:r>
+            <a:r>
+              <a:rPr lang="en-AU" dirty="0" smtClean="0"/>
+              <a:t>g for log centralisation systems and dashboard/metrics systems</a:t>
+            </a:r>
+          </a:p>
+          <a:p>
+            <a:pPr lvl="1"/>
+            <a:r>
+              <a:rPr lang="en-AU" dirty="0" smtClean="0"/>
+              <a:t>The investment in each is isolated, without opportunity to later correlate information</a:t>
+            </a:r>
+          </a:p>
+          <a:p>
+            <a:pPr lvl="1"/>
+            <a:r>
+              <a:rPr lang="en-AU" dirty="0" smtClean="0"/>
+              <a:t>Leading new solutions in this space are cloud-based</a:t>
+            </a:r>
             <a:endParaRPr lang="en-AU" dirty="0"/>
           </a:p>
         </p:txBody>
@@ -4197,21 +4247,6 @@
           <a:lstStyle/>
           <a:p>
             <a:r>
-              <a:rPr lang="en-AU" sz="5400" b="0" dirty="0" err="1" smtClean="0">
-                <a:ln>
-                  <a:noFill/>
-                </a:ln>
-                <a:solidFill>
-                  <a:schemeClr val="bg1">
-                    <a:lumMod val="65000"/>
-                  </a:schemeClr>
-                </a:solidFill>
-                <a:effectLst/>
-                <a:latin typeface="+mn-lt"/>
-              </a:rPr>
-              <a:t>Hadoop</a:t>
-            </a:r>
-            <a:r>
               <a:rPr lang="en-AU" sz="5400" b="0" dirty="0" smtClean="0">
                 <a:ln>
                   <a:noFill/>
@@ -4224,7 +4259,7 @@
                 <a:effectLst/>
                 <a:latin typeface="+mn-lt"/>
               </a:rPr>
-              <a:t> Value Equation</a:t>
+              <a:t>Inspiration</a:t>
             </a:r>
             <a:endParaRPr lang="en-AU" sz="5400" dirty="0">
               <a:solidFill>
@@ -4237,29 +4272,1304 @@
           </a:p>
         </p:txBody>
       </p:sp>
-      <p:sp>
-        <p:nvSpPr>
-          <p:cNvPr id="3" name="Content Placeholder 2"/>
-          <p:cNvSpPr>
-            <a:spLocks noGrp="1"/>
-          </p:cNvSpPr>
-          <p:nvPr>
-            <p:ph idx="1"/>
-          </p:nvPr>
-        </p:nvSpPr>
-        <p:spPr/>
-        <p:txBody>
-          <a:bodyPr/>
-          <a:lstStyle/>
-          <a:p>
-            <a:endParaRPr lang="en-AU" dirty="0"/>
-          </a:p>
-        </p:txBody>
-      </p:sp>
+      <p:grpSp>
+        <p:nvGrpSpPr>
+          <p:cNvPr id="4" name="Group 3"/>
+          <p:cNvGrpSpPr/>
+          <p:nvPr/>
+        </p:nvGrpSpPr>
+        <p:grpSpPr>
+          <a:xfrm>
+            <a:off x="1403648" y="332656"/>
+            <a:ext cx="6408712" cy="4842480"/>
+            <a:chOff x="1930400" y="1397000"/>
+            <a:chExt cx="5283200" cy="4063999"/>
+          </a:xfrm>
+        </p:grpSpPr>
+        <p:sp>
+          <p:nvSpPr>
+            <p:cNvPr id="5" name="Freeform 4"/>
+            <p:cNvSpPr/>
+            <p:nvPr/>
+          </p:nvSpPr>
+          <p:spPr>
+            <a:xfrm>
+              <a:off x="5729555" y="4599893"/>
+              <a:ext cx="1484045" cy="861106"/>
+            </a:xfrm>
+            <a:custGeom>
+              <a:avLst/>
+              <a:gdLst>
+                <a:gd name="connsiteX0" fmla="*/ 0 w 2007616"/>
+                <a:gd name="connsiteY0" fmla="*/ 130048 h 1300480"/>
+                <a:gd name="connsiteX1" fmla="*/ 130048 w 2007616"/>
+                <a:gd name="connsiteY1" fmla="*/ 0 h 1300480"/>
+                <a:gd name="connsiteX2" fmla="*/ 1877568 w 2007616"/>
+                <a:gd name="connsiteY2" fmla="*/ 0 h 1300480"/>
+                <a:gd name="connsiteX3" fmla="*/ 2007616 w 2007616"/>
+                <a:gd name="connsiteY3" fmla="*/ 130048 h 1300480"/>
+                <a:gd name="connsiteX4" fmla="*/ 2007616 w 2007616"/>
+                <a:gd name="connsiteY4" fmla="*/ 1170432 h 1300480"/>
+                <a:gd name="connsiteX5" fmla="*/ 1877568 w 2007616"/>
+                <a:gd name="connsiteY5" fmla="*/ 1300480 h 1300480"/>
+                <a:gd name="connsiteX6" fmla="*/ 130048 w 2007616"/>
+                <a:gd name="connsiteY6" fmla="*/ 1300480 h 1300480"/>
+                <a:gd name="connsiteX7" fmla="*/ 0 w 2007616"/>
+                <a:gd name="connsiteY7" fmla="*/ 1170432 h 1300480"/>
+                <a:gd name="connsiteX8" fmla="*/ 0 w 2007616"/>
+                <a:gd name="connsiteY8" fmla="*/ 130048 h 1300480"/>
+              </a:gdLst>
+              <a:ahLst/>
+              <a:cxnLst>
+                <a:cxn ang="0">
+                  <a:pos x="connsiteX0" y="connsiteY0"/>
+                </a:cxn>
+                <a:cxn ang="0">
+                  <a:pos x="connsiteX1" y="connsiteY1"/>
+                </a:cxn>
+                <a:cxn ang="0">
+                  <a:pos x="connsiteX2" y="connsiteY2"/>
+                </a:cxn>
+                <a:cxn ang="0">
+                  <a:pos x="connsiteX3" y="connsiteY3"/>
+                </a:cxn>
+                <a:cxn ang="0">
+                  <a:pos x="connsiteX4" y="connsiteY4"/>
+                </a:cxn>
+                <a:cxn ang="0">
+                  <a:pos x="connsiteX5" y="connsiteY5"/>
+                </a:cxn>
+                <a:cxn ang="0">
+                  <a:pos x="connsiteX6" y="connsiteY6"/>
+                </a:cxn>
+                <a:cxn ang="0">
+                  <a:pos x="connsiteX7" y="connsiteY7"/>
+                </a:cxn>
+                <a:cxn ang="0">
+                  <a:pos x="connsiteX8" y="connsiteY8"/>
+                </a:cxn>
+              </a:cxnLst>
+              <a:rect l="l" t="t" r="r" b="b"/>
+              <a:pathLst>
+                <a:path w="2007616" h="1300480">
+                  <a:moveTo>
+                    <a:pt x="0" y="130048"/>
+                  </a:moveTo>
+                  <a:cubicBezTo>
+                    <a:pt x="0" y="58224"/>
+                    <a:pt x="58224" y="0"/>
+                    <a:pt x="130048" y="0"/>
+                  </a:cubicBezTo>
+                  <a:lnTo>
+                    <a:pt x="1877568" y="0"/>
+                  </a:lnTo>
+                  <a:cubicBezTo>
+                    <a:pt x="1949392" y="0"/>
+                    <a:pt x="2007616" y="58224"/>
+                    <a:pt x="2007616" y="130048"/>
+                  </a:cubicBezTo>
+                  <a:lnTo>
+                    <a:pt x="2007616" y="1170432"/>
+                  </a:lnTo>
+                  <a:cubicBezTo>
+                    <a:pt x="2007616" y="1242256"/>
+                    <a:pt x="1949392" y="1300480"/>
+                    <a:pt x="1877568" y="1300480"/>
+                  </a:cubicBezTo>
+                  <a:lnTo>
+                    <a:pt x="130048" y="1300480"/>
+                  </a:lnTo>
+                  <a:cubicBezTo>
+                    <a:pt x="58224" y="1300480"/>
+                    <a:pt x="0" y="1242256"/>
+                    <a:pt x="0" y="1170432"/>
+                  </a:cubicBezTo>
+                  <a:lnTo>
+                    <a:pt x="0" y="130048"/>
+                  </a:lnTo>
+                  <a:close/>
+                </a:path>
+              </a:pathLst>
+            </a:custGeom>
+          </p:spPr>
+          <p:style>
+            <a:lnRef idx="2">
+              <a:schemeClr val="accent4">
+                <a:hueOff val="0"/>
+                <a:satOff val="0"/>
+                <a:lumOff val="0"/>
+                <a:alphaOff val="0"/>
+              </a:schemeClr>
+            </a:lnRef>
+            <a:fillRef idx="1">
+              <a:schemeClr val="lt1">
+                <a:alpha val="90000"/>
+                <a:hueOff val="0"/>
+                <a:satOff val="0"/>
+                <a:lumOff val="0"/>
+                <a:alphaOff val="0"/>
+              </a:schemeClr>
+            </a:fillRef>
+            <a:effectRef idx="0">
+              <a:schemeClr val="lt1">
+                <a:alpha val="90000"/>
+                <a:hueOff val="0"/>
+                <a:satOff val="0"/>
+                <a:lumOff val="0"/>
+                <a:alphaOff val="0"/>
+              </a:schemeClr>
+            </a:effectRef>
+            <a:fontRef idx="minor">
+              <a:schemeClr val="dk1">
+                <a:hueOff val="0"/>
+                <a:satOff val="0"/>
+                <a:lumOff val="0"/>
+                <a:alphaOff val="0"/>
+              </a:schemeClr>
+            </a:fontRef>
+          </p:style>
+          <p:txBody>
+            <a:bodyPr spcFirstLastPara="0" vert="horz" wrap="square" lIns="668951" tIns="391788" rIns="66668" bIns="66666" numCol="1" spcCol="1270" anchor="t" anchorCtr="0">
+              <a:noAutofit/>
+            </a:bodyPr>
+            <a:lstStyle/>
+            <a:p>
+              <a:pPr marL="57150" lvl="1" indent="-57150" algn="l" defTabSz="355600">
+                <a:lnSpc>
+                  <a:spcPct val="90000"/>
+                </a:lnSpc>
+                <a:spcBef>
+                  <a:spcPct val="0"/>
+                </a:spcBef>
+                <a:spcAft>
+                  <a:spcPct val="15000"/>
+                </a:spcAft>
+                <a:buChar char="••"/>
+              </a:pPr>
+              <a:r>
+                <a:rPr lang="en-AU" sz="800" dirty="0" smtClean="0"/>
+                <a:t>Does</a:t>
+              </a:r>
+              <a:r>
+                <a:rPr lang="en-AU" sz="800" kern="1200" dirty="0" smtClean="0"/>
+                <a:t> an important job well, predictably and without fuss</a:t>
+              </a:r>
+            </a:p>
+            <a:p>
+              <a:pPr marL="57150" lvl="1" indent="-57150" algn="l" defTabSz="355600">
+                <a:lnSpc>
+                  <a:spcPct val="90000"/>
+                </a:lnSpc>
+                <a:spcBef>
+                  <a:spcPct val="0"/>
+                </a:spcBef>
+                <a:spcAft>
+                  <a:spcPct val="15000"/>
+                </a:spcAft>
+                <a:buChar char="••"/>
+              </a:pPr>
+              <a:r>
+                <a:rPr lang="en-AU" sz="800" dirty="0" smtClean="0"/>
+                <a:t>Single DLL, </a:t>
+              </a:r>
+              <a:r>
+                <a:rPr lang="en-AU" sz="800" smtClean="0"/>
+                <a:t>no dependencies</a:t>
+              </a:r>
+              <a:endParaRPr lang="en-AU" sz="800" kern="1200" dirty="0"/>
+            </a:p>
+          </p:txBody>
+        </p:sp>
+        <p:sp>
+          <p:nvSpPr>
+            <p:cNvPr id="6" name="Freeform 5"/>
+            <p:cNvSpPr/>
+            <p:nvPr/>
+          </p:nvSpPr>
+          <p:spPr>
+            <a:xfrm>
+              <a:off x="1930400" y="4160519"/>
+              <a:ext cx="2007616" cy="1300480"/>
+            </a:xfrm>
+            <a:custGeom>
+              <a:avLst/>
+              <a:gdLst>
+                <a:gd name="connsiteX0" fmla="*/ 0 w 2007616"/>
+                <a:gd name="connsiteY0" fmla="*/ 130048 h 1300480"/>
+                <a:gd name="connsiteX1" fmla="*/ 130048 w 2007616"/>
+                <a:gd name="connsiteY1" fmla="*/ 0 h 1300480"/>
+                <a:gd name="connsiteX2" fmla="*/ 1877568 w 2007616"/>
+                <a:gd name="connsiteY2" fmla="*/ 0 h 1300480"/>
+                <a:gd name="connsiteX3" fmla="*/ 2007616 w 2007616"/>
+                <a:gd name="connsiteY3" fmla="*/ 130048 h 1300480"/>
+                <a:gd name="connsiteX4" fmla="*/ 2007616 w 2007616"/>
+                <a:gd name="connsiteY4" fmla="*/ 1170432 h 1300480"/>
+                <a:gd name="connsiteX5" fmla="*/ 1877568 w 2007616"/>
+                <a:gd name="connsiteY5" fmla="*/ 1300480 h 1300480"/>
+                <a:gd name="connsiteX6" fmla="*/ 130048 w 2007616"/>
+                <a:gd name="connsiteY6" fmla="*/ 1300480 h 1300480"/>
+                <a:gd name="connsiteX7" fmla="*/ 0 w 2007616"/>
+                <a:gd name="connsiteY7" fmla="*/ 1170432 h 1300480"/>
+                <a:gd name="connsiteX8" fmla="*/ 0 w 2007616"/>
+                <a:gd name="connsiteY8" fmla="*/ 130048 h 1300480"/>
+              </a:gdLst>
+              <a:ahLst/>
+              <a:cxnLst>
+                <a:cxn ang="0">
+                  <a:pos x="connsiteX0" y="connsiteY0"/>
+                </a:cxn>
+                <a:cxn ang="0">
+                  <a:pos x="connsiteX1" y="connsiteY1"/>
+                </a:cxn>
+                <a:cxn ang="0">
+                  <a:pos x="connsiteX2" y="connsiteY2"/>
+                </a:cxn>
+                <a:cxn ang="0">
+                  <a:pos x="connsiteX3" y="connsiteY3"/>
+                </a:cxn>
+                <a:cxn ang="0">
+                  <a:pos x="connsiteX4" y="connsiteY4"/>
+                </a:cxn>
+                <a:cxn ang="0">
+                  <a:pos x="connsiteX5" y="connsiteY5"/>
+                </a:cxn>
+                <a:cxn ang="0">
+                  <a:pos x="connsiteX6" y="connsiteY6"/>
+                </a:cxn>
+                <a:cxn ang="0">
+                  <a:pos x="connsiteX7" y="connsiteY7"/>
+                </a:cxn>
+                <a:cxn ang="0">
+                  <a:pos x="connsiteX8" y="connsiteY8"/>
+                </a:cxn>
+              </a:cxnLst>
+              <a:rect l="l" t="t" r="r" b="b"/>
+              <a:pathLst>
+                <a:path w="2007616" h="1300480">
+                  <a:moveTo>
+                    <a:pt x="0" y="130048"/>
+                  </a:moveTo>
+                  <a:cubicBezTo>
+                    <a:pt x="0" y="58224"/>
+                    <a:pt x="58224" y="0"/>
+                    <a:pt x="130048" y="0"/>
+                  </a:cubicBezTo>
+                  <a:lnTo>
+                    <a:pt x="1877568" y="0"/>
+                  </a:lnTo>
+                  <a:cubicBezTo>
+                    <a:pt x="1949392" y="0"/>
+                    <a:pt x="2007616" y="58224"/>
+                    <a:pt x="2007616" y="130048"/>
+                  </a:cubicBezTo>
+                  <a:lnTo>
+                    <a:pt x="2007616" y="1170432"/>
+                  </a:lnTo>
+                  <a:cubicBezTo>
+                    <a:pt x="2007616" y="1242256"/>
+                    <a:pt x="1949392" y="1300480"/>
+                    <a:pt x="1877568" y="1300480"/>
+                  </a:cubicBezTo>
+                  <a:lnTo>
+                    <a:pt x="130048" y="1300480"/>
+                  </a:lnTo>
+                  <a:cubicBezTo>
+                    <a:pt x="58224" y="1300480"/>
+                    <a:pt x="0" y="1242256"/>
+                    <a:pt x="0" y="1170432"/>
+                  </a:cubicBezTo>
+                  <a:lnTo>
+                    <a:pt x="0" y="130048"/>
+                  </a:lnTo>
+                  <a:close/>
+                </a:path>
+              </a:pathLst>
+            </a:custGeom>
+          </p:spPr>
+          <p:style>
+            <a:lnRef idx="2">
+              <a:schemeClr val="accent5">
+                <a:hueOff val="0"/>
+                <a:satOff val="0"/>
+                <a:lumOff val="0"/>
+                <a:alphaOff val="0"/>
+              </a:schemeClr>
+            </a:lnRef>
+            <a:fillRef idx="1">
+              <a:schemeClr val="lt1">
+                <a:alpha val="90000"/>
+                <a:hueOff val="0"/>
+                <a:satOff val="0"/>
+                <a:lumOff val="0"/>
+                <a:alphaOff val="0"/>
+              </a:schemeClr>
+            </a:fillRef>
+            <a:effectRef idx="0">
+              <a:schemeClr val="lt1">
+                <a:alpha val="90000"/>
+                <a:hueOff val="0"/>
+                <a:satOff val="0"/>
+                <a:lumOff val="0"/>
+                <a:alphaOff val="0"/>
+              </a:schemeClr>
+            </a:effectRef>
+            <a:fontRef idx="minor">
+              <a:schemeClr val="dk1">
+                <a:hueOff val="0"/>
+                <a:satOff val="0"/>
+                <a:lumOff val="0"/>
+                <a:alphaOff val="0"/>
+              </a:schemeClr>
+            </a:fontRef>
+          </p:style>
+          <p:txBody>
+            <a:bodyPr spcFirstLastPara="0" vert="horz" wrap="square" lIns="66667" tIns="391787" rIns="668952" bIns="66667" numCol="1" spcCol="1270" anchor="t" anchorCtr="0">
+              <a:noAutofit/>
+            </a:bodyPr>
+            <a:lstStyle/>
+            <a:p>
+              <a:pPr marL="57150" lvl="1" indent="-57150" algn="l" defTabSz="355600">
+                <a:lnSpc>
+                  <a:spcPct val="90000"/>
+                </a:lnSpc>
+                <a:spcBef>
+                  <a:spcPct val="0"/>
+                </a:spcBef>
+                <a:spcAft>
+                  <a:spcPct val="15000"/>
+                </a:spcAft>
+                <a:buChar char="••"/>
+              </a:pPr>
+              <a:r>
+                <a:rPr lang="en-AU" sz="800" kern="1200" dirty="0" smtClean="0"/>
+                <a:t>Focus on the developer ramp-up</a:t>
+              </a:r>
+              <a:endParaRPr lang="en-AU" sz="800" kern="1200" dirty="0"/>
+            </a:p>
+            <a:p>
+              <a:pPr marL="57150" lvl="1" indent="-57150" algn="l" defTabSz="355600">
+                <a:lnSpc>
+                  <a:spcPct val="90000"/>
+                </a:lnSpc>
+                <a:spcBef>
+                  <a:spcPct val="0"/>
+                </a:spcBef>
+                <a:spcAft>
+                  <a:spcPct val="15000"/>
+                </a:spcAft>
+                <a:buChar char="••"/>
+              </a:pPr>
+              <a:r>
+                <a:rPr lang="en-AU" sz="800" kern="1200" dirty="0" smtClean="0"/>
+                <a:t>Show value to business stakeholders</a:t>
+              </a:r>
+              <a:endParaRPr lang="en-AU" sz="800" kern="1200" dirty="0"/>
+            </a:p>
+            <a:p>
+              <a:pPr marL="57150" lvl="1" indent="-57150" algn="l" defTabSz="355600">
+                <a:lnSpc>
+                  <a:spcPct val="90000"/>
+                </a:lnSpc>
+                <a:spcBef>
+                  <a:spcPct val="0"/>
+                </a:spcBef>
+                <a:spcAft>
+                  <a:spcPct val="15000"/>
+                </a:spcAft>
+                <a:buChar char="••"/>
+              </a:pPr>
+              <a:r>
+                <a:rPr lang="en-AU" sz="800" kern="1200" dirty="0" smtClean="0"/>
+                <a:t>Low risk adoption/low tie-in</a:t>
+              </a:r>
+              <a:endParaRPr lang="en-AU" sz="800" kern="1200" dirty="0"/>
+            </a:p>
+            <a:p>
+              <a:pPr marL="57150" lvl="1" indent="-57150" algn="l" defTabSz="355600">
+                <a:lnSpc>
+                  <a:spcPct val="90000"/>
+                </a:lnSpc>
+                <a:spcBef>
+                  <a:spcPct val="0"/>
+                </a:spcBef>
+                <a:spcAft>
+                  <a:spcPct val="15000"/>
+                </a:spcAft>
+                <a:buChar char="••"/>
+              </a:pPr>
+              <a:r>
+                <a:rPr lang="en-AU" sz="800" kern="1200" dirty="0" smtClean="0"/>
+                <a:t>Capitalise when value is clear</a:t>
+              </a:r>
+              <a:endParaRPr lang="en-AU" sz="800" kern="1200" dirty="0"/>
+            </a:p>
+          </p:txBody>
+        </p:sp>
+        <p:sp>
+          <p:nvSpPr>
+            <p:cNvPr id="7" name="Freeform 6"/>
+            <p:cNvSpPr/>
+            <p:nvPr/>
+          </p:nvSpPr>
+          <p:spPr>
+            <a:xfrm>
+              <a:off x="5205984" y="1397000"/>
+              <a:ext cx="2007616" cy="1300480"/>
+            </a:xfrm>
+            <a:custGeom>
+              <a:avLst/>
+              <a:gdLst>
+                <a:gd name="connsiteX0" fmla="*/ 0 w 2007616"/>
+                <a:gd name="connsiteY0" fmla="*/ 130048 h 1300480"/>
+                <a:gd name="connsiteX1" fmla="*/ 130048 w 2007616"/>
+                <a:gd name="connsiteY1" fmla="*/ 0 h 1300480"/>
+                <a:gd name="connsiteX2" fmla="*/ 1877568 w 2007616"/>
+                <a:gd name="connsiteY2" fmla="*/ 0 h 1300480"/>
+                <a:gd name="connsiteX3" fmla="*/ 2007616 w 2007616"/>
+                <a:gd name="connsiteY3" fmla="*/ 130048 h 1300480"/>
+                <a:gd name="connsiteX4" fmla="*/ 2007616 w 2007616"/>
+                <a:gd name="connsiteY4" fmla="*/ 1170432 h 1300480"/>
+                <a:gd name="connsiteX5" fmla="*/ 1877568 w 2007616"/>
+                <a:gd name="connsiteY5" fmla="*/ 1300480 h 1300480"/>
+                <a:gd name="connsiteX6" fmla="*/ 130048 w 2007616"/>
+                <a:gd name="connsiteY6" fmla="*/ 1300480 h 1300480"/>
+                <a:gd name="connsiteX7" fmla="*/ 0 w 2007616"/>
+                <a:gd name="connsiteY7" fmla="*/ 1170432 h 1300480"/>
+                <a:gd name="connsiteX8" fmla="*/ 0 w 2007616"/>
+                <a:gd name="connsiteY8" fmla="*/ 130048 h 1300480"/>
+              </a:gdLst>
+              <a:ahLst/>
+              <a:cxnLst>
+                <a:cxn ang="0">
+                  <a:pos x="connsiteX0" y="connsiteY0"/>
+                </a:cxn>
+                <a:cxn ang="0">
+                  <a:pos x="connsiteX1" y="connsiteY1"/>
+                </a:cxn>
+                <a:cxn ang="0">
+                  <a:pos x="connsiteX2" y="connsiteY2"/>
+                </a:cxn>
+                <a:cxn ang="0">
+                  <a:pos x="connsiteX3" y="connsiteY3"/>
+                </a:cxn>
+                <a:cxn ang="0">
+                  <a:pos x="connsiteX4" y="connsiteY4"/>
+                </a:cxn>
+                <a:cxn ang="0">
+                  <a:pos x="connsiteX5" y="connsiteY5"/>
+                </a:cxn>
+                <a:cxn ang="0">
+                  <a:pos x="connsiteX6" y="connsiteY6"/>
+                </a:cxn>
+                <a:cxn ang="0">
+                  <a:pos x="connsiteX7" y="connsiteY7"/>
+                </a:cxn>
+                <a:cxn ang="0">
+                  <a:pos x="connsiteX8" y="connsiteY8"/>
+                </a:cxn>
+              </a:cxnLst>
+              <a:rect l="l" t="t" r="r" b="b"/>
+              <a:pathLst>
+                <a:path w="2007616" h="1300480">
+                  <a:moveTo>
+                    <a:pt x="0" y="130048"/>
+                  </a:moveTo>
+                  <a:cubicBezTo>
+                    <a:pt x="0" y="58224"/>
+                    <a:pt x="58224" y="0"/>
+                    <a:pt x="130048" y="0"/>
+                  </a:cubicBezTo>
+                  <a:lnTo>
+                    <a:pt x="1877568" y="0"/>
+                  </a:lnTo>
+                  <a:cubicBezTo>
+                    <a:pt x="1949392" y="0"/>
+                    <a:pt x="2007616" y="58224"/>
+                    <a:pt x="2007616" y="130048"/>
+                  </a:cubicBezTo>
+                  <a:lnTo>
+                    <a:pt x="2007616" y="1170432"/>
+                  </a:lnTo>
+                  <a:cubicBezTo>
+                    <a:pt x="2007616" y="1242256"/>
+                    <a:pt x="1949392" y="1300480"/>
+                    <a:pt x="1877568" y="1300480"/>
+                  </a:cubicBezTo>
+                  <a:lnTo>
+                    <a:pt x="130048" y="1300480"/>
+                  </a:lnTo>
+                  <a:cubicBezTo>
+                    <a:pt x="58224" y="1300480"/>
+                    <a:pt x="0" y="1242256"/>
+                    <a:pt x="0" y="1170432"/>
+                  </a:cubicBezTo>
+                  <a:lnTo>
+                    <a:pt x="0" y="130048"/>
+                  </a:lnTo>
+                  <a:close/>
+                </a:path>
+              </a:pathLst>
+            </a:custGeom>
+          </p:spPr>
+          <p:style>
+            <a:lnRef idx="2">
+              <a:schemeClr val="accent3">
+                <a:hueOff val="0"/>
+                <a:satOff val="0"/>
+                <a:lumOff val="0"/>
+                <a:alphaOff val="0"/>
+              </a:schemeClr>
+            </a:lnRef>
+            <a:fillRef idx="1">
+              <a:schemeClr val="lt1">
+                <a:alpha val="90000"/>
+                <a:hueOff val="0"/>
+                <a:satOff val="0"/>
+                <a:lumOff val="0"/>
+                <a:alphaOff val="0"/>
+              </a:schemeClr>
+            </a:fillRef>
+            <a:effectRef idx="0">
+              <a:schemeClr val="lt1">
+                <a:alpha val="90000"/>
+                <a:hueOff val="0"/>
+                <a:satOff val="0"/>
+                <a:lumOff val="0"/>
+                <a:alphaOff val="0"/>
+              </a:schemeClr>
+            </a:effectRef>
+            <a:fontRef idx="minor">
+              <a:schemeClr val="dk1">
+                <a:hueOff val="0"/>
+                <a:satOff val="0"/>
+                <a:lumOff val="0"/>
+                <a:alphaOff val="0"/>
+              </a:schemeClr>
+            </a:fontRef>
+          </p:style>
+          <p:txBody>
+            <a:bodyPr spcFirstLastPara="0" vert="horz" wrap="square" lIns="668951" tIns="66667" rIns="66668" bIns="391787" numCol="1" spcCol="1270" anchor="t" anchorCtr="0">
+              <a:noAutofit/>
+            </a:bodyPr>
+            <a:lstStyle/>
+            <a:p>
+              <a:pPr marL="57150" lvl="1" indent="-57150" algn="l" defTabSz="355600">
+                <a:lnSpc>
+                  <a:spcPct val="90000"/>
+                </a:lnSpc>
+                <a:spcBef>
+                  <a:spcPct val="0"/>
+                </a:spcBef>
+                <a:spcAft>
+                  <a:spcPct val="15000"/>
+                </a:spcAft>
+                <a:buChar char="••"/>
+              </a:pPr>
+              <a:r>
+                <a:rPr lang="en-AU" sz="800" kern="1200" dirty="0" smtClean="0"/>
+                <a:t>Small setup cost to immediately capture </a:t>
+              </a:r>
+              <a:r>
+                <a:rPr lang="en-AU" sz="800" kern="1200" dirty="0" err="1" smtClean="0"/>
+                <a:t>usefule</a:t>
+              </a:r>
+              <a:r>
+                <a:rPr lang="en-AU" sz="800" kern="1200" dirty="0" smtClean="0"/>
+                <a:t> metrics</a:t>
+              </a:r>
+            </a:p>
+            <a:p>
+              <a:pPr marL="57150" lvl="1" indent="-57150" algn="l" defTabSz="355600">
+                <a:lnSpc>
+                  <a:spcPct val="90000"/>
+                </a:lnSpc>
+                <a:spcBef>
+                  <a:spcPct val="0"/>
+                </a:spcBef>
+                <a:spcAft>
+                  <a:spcPct val="15000"/>
+                </a:spcAft>
+                <a:buChar char="••"/>
+              </a:pPr>
+              <a:r>
+                <a:rPr lang="en-AU" sz="800" dirty="0" smtClean="0"/>
+                <a:t>Similar value prop to other metrics/dashboard solutions</a:t>
+              </a:r>
+              <a:endParaRPr lang="en-AU" sz="800" kern="1200" dirty="0"/>
+            </a:p>
+          </p:txBody>
+        </p:sp>
+        <p:sp>
+          <p:nvSpPr>
+            <p:cNvPr id="8" name="Freeform 7"/>
+            <p:cNvSpPr/>
+            <p:nvPr/>
+          </p:nvSpPr>
+          <p:spPr>
+            <a:xfrm>
+              <a:off x="1930400" y="1397000"/>
+              <a:ext cx="2007616" cy="1300480"/>
+            </a:xfrm>
+            <a:custGeom>
+              <a:avLst/>
+              <a:gdLst>
+                <a:gd name="connsiteX0" fmla="*/ 0 w 2007616"/>
+                <a:gd name="connsiteY0" fmla="*/ 130048 h 1300480"/>
+                <a:gd name="connsiteX1" fmla="*/ 130048 w 2007616"/>
+                <a:gd name="connsiteY1" fmla="*/ 0 h 1300480"/>
+                <a:gd name="connsiteX2" fmla="*/ 1877568 w 2007616"/>
+                <a:gd name="connsiteY2" fmla="*/ 0 h 1300480"/>
+                <a:gd name="connsiteX3" fmla="*/ 2007616 w 2007616"/>
+                <a:gd name="connsiteY3" fmla="*/ 130048 h 1300480"/>
+                <a:gd name="connsiteX4" fmla="*/ 2007616 w 2007616"/>
+                <a:gd name="connsiteY4" fmla="*/ 1170432 h 1300480"/>
+                <a:gd name="connsiteX5" fmla="*/ 1877568 w 2007616"/>
+                <a:gd name="connsiteY5" fmla="*/ 1300480 h 1300480"/>
+                <a:gd name="connsiteX6" fmla="*/ 130048 w 2007616"/>
+                <a:gd name="connsiteY6" fmla="*/ 1300480 h 1300480"/>
+                <a:gd name="connsiteX7" fmla="*/ 0 w 2007616"/>
+                <a:gd name="connsiteY7" fmla="*/ 1170432 h 1300480"/>
+                <a:gd name="connsiteX8" fmla="*/ 0 w 2007616"/>
+                <a:gd name="connsiteY8" fmla="*/ 130048 h 1300480"/>
+              </a:gdLst>
+              <a:ahLst/>
+              <a:cxnLst>
+                <a:cxn ang="0">
+                  <a:pos x="connsiteX0" y="connsiteY0"/>
+                </a:cxn>
+                <a:cxn ang="0">
+                  <a:pos x="connsiteX1" y="connsiteY1"/>
+                </a:cxn>
+                <a:cxn ang="0">
+                  <a:pos x="connsiteX2" y="connsiteY2"/>
+                </a:cxn>
+                <a:cxn ang="0">
+                  <a:pos x="connsiteX3" y="connsiteY3"/>
+                </a:cxn>
+                <a:cxn ang="0">
+                  <a:pos x="connsiteX4" y="connsiteY4"/>
+                </a:cxn>
+                <a:cxn ang="0">
+                  <a:pos x="connsiteX5" y="connsiteY5"/>
+                </a:cxn>
+                <a:cxn ang="0">
+                  <a:pos x="connsiteX6" y="connsiteY6"/>
+                </a:cxn>
+                <a:cxn ang="0">
+                  <a:pos x="connsiteX7" y="connsiteY7"/>
+                </a:cxn>
+                <a:cxn ang="0">
+                  <a:pos x="connsiteX8" y="connsiteY8"/>
+                </a:cxn>
+              </a:cxnLst>
+              <a:rect l="l" t="t" r="r" b="b"/>
+              <a:pathLst>
+                <a:path w="2007616" h="1300480">
+                  <a:moveTo>
+                    <a:pt x="0" y="130048"/>
+                  </a:moveTo>
+                  <a:cubicBezTo>
+                    <a:pt x="0" y="58224"/>
+                    <a:pt x="58224" y="0"/>
+                    <a:pt x="130048" y="0"/>
+                  </a:cubicBezTo>
+                  <a:lnTo>
+                    <a:pt x="1877568" y="0"/>
+                  </a:lnTo>
+                  <a:cubicBezTo>
+                    <a:pt x="1949392" y="0"/>
+                    <a:pt x="2007616" y="58224"/>
+                    <a:pt x="2007616" y="130048"/>
+                  </a:cubicBezTo>
+                  <a:lnTo>
+                    <a:pt x="2007616" y="1170432"/>
+                  </a:lnTo>
+                  <a:cubicBezTo>
+                    <a:pt x="2007616" y="1242256"/>
+                    <a:pt x="1949392" y="1300480"/>
+                    <a:pt x="1877568" y="1300480"/>
+                  </a:cubicBezTo>
+                  <a:lnTo>
+                    <a:pt x="130048" y="1300480"/>
+                  </a:lnTo>
+                  <a:cubicBezTo>
+                    <a:pt x="58224" y="1300480"/>
+                    <a:pt x="0" y="1242256"/>
+                    <a:pt x="0" y="1170432"/>
+                  </a:cubicBezTo>
+                  <a:lnTo>
+                    <a:pt x="0" y="130048"/>
+                  </a:lnTo>
+                  <a:close/>
+                </a:path>
+              </a:pathLst>
+            </a:custGeom>
+          </p:spPr>
+          <p:style>
+            <a:lnRef idx="2">
+              <a:schemeClr val="accent2">
+                <a:hueOff val="0"/>
+                <a:satOff val="0"/>
+                <a:lumOff val="0"/>
+                <a:alphaOff val="0"/>
+              </a:schemeClr>
+            </a:lnRef>
+            <a:fillRef idx="1">
+              <a:schemeClr val="lt1">
+                <a:alpha val="90000"/>
+                <a:hueOff val="0"/>
+                <a:satOff val="0"/>
+                <a:lumOff val="0"/>
+                <a:alphaOff val="0"/>
+              </a:schemeClr>
+            </a:fillRef>
+            <a:effectRef idx="0">
+              <a:schemeClr val="lt1">
+                <a:alpha val="90000"/>
+                <a:hueOff val="0"/>
+                <a:satOff val="0"/>
+                <a:lumOff val="0"/>
+                <a:alphaOff val="0"/>
+              </a:schemeClr>
+            </a:effectRef>
+            <a:fontRef idx="minor">
+              <a:schemeClr val="dk1">
+                <a:hueOff val="0"/>
+                <a:satOff val="0"/>
+                <a:lumOff val="0"/>
+                <a:alphaOff val="0"/>
+              </a:schemeClr>
+            </a:fontRef>
+          </p:style>
+          <p:txBody>
+            <a:bodyPr spcFirstLastPara="0" vert="horz" wrap="square" lIns="66667" tIns="66667" rIns="668952" bIns="391787" numCol="1" spcCol="1270" anchor="t" anchorCtr="0">
+              <a:noAutofit/>
+            </a:bodyPr>
+            <a:lstStyle/>
+            <a:p>
+              <a:pPr marL="57150" lvl="1" indent="-57150" algn="l" defTabSz="355600">
+                <a:lnSpc>
+                  <a:spcPct val="90000"/>
+                </a:lnSpc>
+                <a:spcBef>
+                  <a:spcPct val="0"/>
+                </a:spcBef>
+                <a:spcAft>
+                  <a:spcPct val="15000"/>
+                </a:spcAft>
+                <a:buChar char="••"/>
+              </a:pPr>
+              <a:r>
+                <a:rPr lang="en-AU" sz="800" kern="1200" dirty="0" smtClean="0"/>
+                <a:t>Extract value from an existing resource</a:t>
+              </a:r>
+              <a:endParaRPr lang="en-AU" sz="800" kern="1200" dirty="0"/>
+            </a:p>
+            <a:p>
+              <a:pPr marL="57150" lvl="1" indent="-57150" algn="l" defTabSz="355600">
+                <a:lnSpc>
+                  <a:spcPct val="90000"/>
+                </a:lnSpc>
+                <a:spcBef>
+                  <a:spcPct val="0"/>
+                </a:spcBef>
+                <a:spcAft>
+                  <a:spcPct val="15000"/>
+                </a:spcAft>
+                <a:buChar char="••"/>
+              </a:pPr>
+              <a:r>
+                <a:rPr lang="en-AU" sz="800" kern="1200" dirty="0" smtClean="0"/>
+                <a:t>Small initial investment</a:t>
+              </a:r>
+              <a:endParaRPr lang="en-AU" sz="800" kern="1200" dirty="0"/>
+            </a:p>
+            <a:p>
+              <a:pPr marL="57150" lvl="1" indent="-57150" algn="l" defTabSz="355600">
+                <a:lnSpc>
+                  <a:spcPct val="90000"/>
+                </a:lnSpc>
+                <a:spcBef>
+                  <a:spcPct val="0"/>
+                </a:spcBef>
+                <a:spcAft>
+                  <a:spcPct val="15000"/>
+                </a:spcAft>
+                <a:buChar char="••"/>
+              </a:pPr>
+              <a:r>
+                <a:rPr lang="en-AU" sz="800" kern="1200" dirty="0" smtClean="0"/>
+                <a:t>Pay-for-play</a:t>
+              </a:r>
+              <a:endParaRPr lang="en-AU" sz="800" kern="1200" dirty="0"/>
+            </a:p>
+          </p:txBody>
+        </p:sp>
+        <p:sp>
+          <p:nvSpPr>
+            <p:cNvPr id="9" name="Freeform 8"/>
+            <p:cNvSpPr/>
+            <p:nvPr/>
+          </p:nvSpPr>
+          <p:spPr>
+            <a:xfrm>
+              <a:off x="2771648" y="1628647"/>
+              <a:ext cx="1759712" cy="1759712"/>
+            </a:xfrm>
+            <a:custGeom>
+              <a:avLst/>
+              <a:gdLst>
+                <a:gd name="connsiteX0" fmla="*/ 0 w 1759712"/>
+                <a:gd name="connsiteY0" fmla="*/ 1759712 h 1759712"/>
+                <a:gd name="connsiteX1" fmla="*/ 1759712 w 1759712"/>
+                <a:gd name="connsiteY1" fmla="*/ 0 h 1759712"/>
+                <a:gd name="connsiteX2" fmla="*/ 1759712 w 1759712"/>
+                <a:gd name="connsiteY2" fmla="*/ 1759712 h 1759712"/>
+                <a:gd name="connsiteX3" fmla="*/ 0 w 1759712"/>
+                <a:gd name="connsiteY3" fmla="*/ 1759712 h 1759712"/>
+              </a:gdLst>
+              <a:ahLst/>
+              <a:cxnLst>
+                <a:cxn ang="0">
+                  <a:pos x="connsiteX0" y="connsiteY0"/>
+                </a:cxn>
+                <a:cxn ang="0">
+                  <a:pos x="connsiteX1" y="connsiteY1"/>
+                </a:cxn>
+                <a:cxn ang="0">
+                  <a:pos x="connsiteX2" y="connsiteY2"/>
+                </a:cxn>
+                <a:cxn ang="0">
+                  <a:pos x="connsiteX3" y="connsiteY3"/>
+                </a:cxn>
+              </a:cxnLst>
+              <a:rect l="l" t="t" r="r" b="b"/>
+              <a:pathLst>
+                <a:path w="1759712" h="1759712">
+                  <a:moveTo>
+                    <a:pt x="0" y="1759712"/>
+                  </a:moveTo>
+                  <a:cubicBezTo>
+                    <a:pt x="0" y="787850"/>
+                    <a:pt x="787850" y="0"/>
+                    <a:pt x="1759712" y="0"/>
+                  </a:cubicBezTo>
+                  <a:lnTo>
+                    <a:pt x="1759712" y="1759712"/>
+                  </a:lnTo>
+                  <a:lnTo>
+                    <a:pt x="0" y="1759712"/>
+                  </a:lnTo>
+                  <a:close/>
+                </a:path>
+              </a:pathLst>
+            </a:custGeom>
+          </p:spPr>
+          <p:style>
+            <a:lnRef idx="2">
+              <a:schemeClr val="lt1">
+                <a:hueOff val="0"/>
+                <a:satOff val="0"/>
+                <a:lumOff val="0"/>
+                <a:alphaOff val="0"/>
+              </a:schemeClr>
+            </a:lnRef>
+            <a:fillRef idx="1">
+              <a:schemeClr val="accent2">
+                <a:hueOff val="0"/>
+                <a:satOff val="0"/>
+                <a:lumOff val="0"/>
+                <a:alphaOff val="0"/>
+              </a:schemeClr>
+            </a:fillRef>
+            <a:effectRef idx="0">
+              <a:schemeClr val="accent2">
+                <a:hueOff val="0"/>
+                <a:satOff val="0"/>
+                <a:lumOff val="0"/>
+                <a:alphaOff val="0"/>
+              </a:schemeClr>
+            </a:effectRef>
+            <a:fontRef idx="minor">
+              <a:schemeClr val="lt1"/>
+            </a:fontRef>
+          </p:style>
+          <p:txBody>
+            <a:bodyPr spcFirstLastPara="0" vert="horz" wrap="square" lIns="664760" tIns="664760" rIns="149352" bIns="149352" numCol="1" spcCol="1270" anchor="ctr" anchorCtr="0">
+              <a:noAutofit/>
+            </a:bodyPr>
+            <a:lstStyle/>
+            <a:p>
+              <a:pPr lvl="0" algn="ctr" defTabSz="933450">
+                <a:lnSpc>
+                  <a:spcPct val="90000"/>
+                </a:lnSpc>
+                <a:spcBef>
+                  <a:spcPct val="0"/>
+                </a:spcBef>
+                <a:spcAft>
+                  <a:spcPct val="35000"/>
+                </a:spcAft>
+              </a:pPr>
+              <a:r>
+                <a:rPr lang="en-AU" sz="2100" dirty="0" smtClean="0"/>
+                <a:t>Apache </a:t>
+              </a:r>
+              <a:r>
+                <a:rPr lang="en-AU" sz="2100" kern="1200" dirty="0" smtClean="0"/>
+                <a:t>Hadoop</a:t>
+              </a:r>
+              <a:endParaRPr lang="en-AU" sz="2100" kern="1200" dirty="0"/>
+            </a:p>
+          </p:txBody>
+        </p:sp>
+        <p:sp>
+          <p:nvSpPr>
+            <p:cNvPr id="10" name="Freeform 9"/>
+            <p:cNvSpPr/>
+            <p:nvPr/>
+          </p:nvSpPr>
+          <p:spPr>
+            <a:xfrm>
+              <a:off x="4612640" y="1628647"/>
+              <a:ext cx="1759712" cy="1759712"/>
+            </a:xfrm>
+            <a:custGeom>
+              <a:avLst/>
+              <a:gdLst>
+                <a:gd name="connsiteX0" fmla="*/ 0 w 1759712"/>
+                <a:gd name="connsiteY0" fmla="*/ 1759712 h 1759712"/>
+                <a:gd name="connsiteX1" fmla="*/ 1759712 w 1759712"/>
+                <a:gd name="connsiteY1" fmla="*/ 0 h 1759712"/>
+                <a:gd name="connsiteX2" fmla="*/ 1759712 w 1759712"/>
+                <a:gd name="connsiteY2" fmla="*/ 1759712 h 1759712"/>
+                <a:gd name="connsiteX3" fmla="*/ 0 w 1759712"/>
+                <a:gd name="connsiteY3" fmla="*/ 1759712 h 1759712"/>
+              </a:gdLst>
+              <a:ahLst/>
+              <a:cxnLst>
+                <a:cxn ang="0">
+                  <a:pos x="connsiteX0" y="connsiteY0"/>
+                </a:cxn>
+                <a:cxn ang="0">
+                  <a:pos x="connsiteX1" y="connsiteY1"/>
+                </a:cxn>
+                <a:cxn ang="0">
+                  <a:pos x="connsiteX2" y="connsiteY2"/>
+                </a:cxn>
+                <a:cxn ang="0">
+                  <a:pos x="connsiteX3" y="connsiteY3"/>
+                </a:cxn>
+              </a:cxnLst>
+              <a:rect l="l" t="t" r="r" b="b"/>
+              <a:pathLst>
+                <a:path w="1759712" h="1759712">
+                  <a:moveTo>
+                    <a:pt x="0" y="0"/>
+                  </a:moveTo>
+                  <a:cubicBezTo>
+                    <a:pt x="971862" y="0"/>
+                    <a:pt x="1759712" y="787850"/>
+                    <a:pt x="1759712" y="1759712"/>
+                  </a:cubicBezTo>
+                  <a:lnTo>
+                    <a:pt x="0" y="1759712"/>
+                  </a:lnTo>
+                  <a:lnTo>
+                    <a:pt x="0" y="0"/>
+                  </a:lnTo>
+                  <a:close/>
+                </a:path>
+              </a:pathLst>
+            </a:custGeom>
+          </p:spPr>
+          <p:style>
+            <a:lnRef idx="2">
+              <a:schemeClr val="lt1">
+                <a:hueOff val="0"/>
+                <a:satOff val="0"/>
+                <a:lumOff val="0"/>
+                <a:alphaOff val="0"/>
+              </a:schemeClr>
+            </a:lnRef>
+            <a:fillRef idx="1">
+              <a:schemeClr val="accent3">
+                <a:hueOff val="0"/>
+                <a:satOff val="0"/>
+                <a:lumOff val="0"/>
+                <a:alphaOff val="0"/>
+              </a:schemeClr>
+            </a:fillRef>
+            <a:effectRef idx="0">
+              <a:schemeClr val="accent3">
+                <a:hueOff val="0"/>
+                <a:satOff val="0"/>
+                <a:lumOff val="0"/>
+                <a:alphaOff val="0"/>
+              </a:schemeClr>
+            </a:effectRef>
+            <a:fontRef idx="minor">
+              <a:schemeClr val="lt1"/>
+            </a:fontRef>
+          </p:style>
+          <p:txBody>
+            <a:bodyPr spcFirstLastPara="0" vert="horz" wrap="square" lIns="149352" tIns="664760" rIns="664760" bIns="149352" numCol="1" spcCol="1270" anchor="ctr" anchorCtr="0">
+              <a:noAutofit/>
+            </a:bodyPr>
+            <a:lstStyle/>
+            <a:p>
+              <a:pPr lvl="0" algn="ctr" defTabSz="933450">
+                <a:lnSpc>
+                  <a:spcPct val="90000"/>
+                </a:lnSpc>
+                <a:spcBef>
+                  <a:spcPct val="0"/>
+                </a:spcBef>
+                <a:spcAft>
+                  <a:spcPct val="35000"/>
+                </a:spcAft>
+              </a:pPr>
+              <a:r>
+                <a:rPr lang="en-AU" sz="2100" dirty="0" smtClean="0"/>
+                <a:t>Google Analytics</a:t>
+              </a:r>
+              <a:endParaRPr lang="en-AU" sz="2100" kern="1200" dirty="0"/>
+            </a:p>
+          </p:txBody>
+        </p:sp>
+        <p:sp>
+          <p:nvSpPr>
+            <p:cNvPr id="11" name="Freeform 10"/>
+            <p:cNvSpPr/>
+            <p:nvPr/>
+          </p:nvSpPr>
+          <p:spPr>
+            <a:xfrm rot="21600000">
+              <a:off x="4612640" y="3469639"/>
+              <a:ext cx="1759712" cy="1759713"/>
+            </a:xfrm>
+            <a:custGeom>
+              <a:avLst/>
+              <a:gdLst>
+                <a:gd name="connsiteX0" fmla="*/ 0 w 1759712"/>
+                <a:gd name="connsiteY0" fmla="*/ 1759712 h 1759712"/>
+                <a:gd name="connsiteX1" fmla="*/ 1759712 w 1759712"/>
+                <a:gd name="connsiteY1" fmla="*/ 0 h 1759712"/>
+                <a:gd name="connsiteX2" fmla="*/ 1759712 w 1759712"/>
+                <a:gd name="connsiteY2" fmla="*/ 1759712 h 1759712"/>
+                <a:gd name="connsiteX3" fmla="*/ 0 w 1759712"/>
+                <a:gd name="connsiteY3" fmla="*/ 1759712 h 1759712"/>
+              </a:gdLst>
+              <a:ahLst/>
+              <a:cxnLst>
+                <a:cxn ang="0">
+                  <a:pos x="connsiteX0" y="connsiteY0"/>
+                </a:cxn>
+                <a:cxn ang="0">
+                  <a:pos x="connsiteX1" y="connsiteY1"/>
+                </a:cxn>
+                <a:cxn ang="0">
+                  <a:pos x="connsiteX2" y="connsiteY2"/>
+                </a:cxn>
+                <a:cxn ang="0">
+                  <a:pos x="connsiteX3" y="connsiteY3"/>
+                </a:cxn>
+              </a:cxnLst>
+              <a:rect l="l" t="t" r="r" b="b"/>
+              <a:pathLst>
+                <a:path w="1759712" h="1759712">
+                  <a:moveTo>
+                    <a:pt x="1759712" y="0"/>
+                  </a:moveTo>
+                  <a:cubicBezTo>
+                    <a:pt x="1759712" y="971862"/>
+                    <a:pt x="971862" y="1759712"/>
+                    <a:pt x="0" y="1759712"/>
+                  </a:cubicBezTo>
+                  <a:lnTo>
+                    <a:pt x="0" y="0"/>
+                  </a:lnTo>
+                  <a:lnTo>
+                    <a:pt x="1759712" y="0"/>
+                  </a:lnTo>
+                  <a:close/>
+                </a:path>
+              </a:pathLst>
+            </a:custGeom>
+          </p:spPr>
+          <p:style>
+            <a:lnRef idx="2">
+              <a:schemeClr val="lt1">
+                <a:hueOff val="0"/>
+                <a:satOff val="0"/>
+                <a:lumOff val="0"/>
+                <a:alphaOff val="0"/>
+              </a:schemeClr>
+            </a:lnRef>
+            <a:fillRef idx="1">
+              <a:schemeClr val="accent4">
+                <a:hueOff val="0"/>
+                <a:satOff val="0"/>
+                <a:lumOff val="0"/>
+                <a:alphaOff val="0"/>
+              </a:schemeClr>
+            </a:fillRef>
+            <a:effectRef idx="0">
+              <a:schemeClr val="accent4">
+                <a:hueOff val="0"/>
+                <a:satOff val="0"/>
+                <a:lumOff val="0"/>
+                <a:alphaOff val="0"/>
+              </a:schemeClr>
+            </a:effectRef>
+            <a:fontRef idx="minor">
+              <a:schemeClr val="lt1"/>
+            </a:fontRef>
+          </p:style>
+          <p:txBody>
+            <a:bodyPr spcFirstLastPara="0" vert="horz" wrap="square" lIns="149352" tIns="149353" rIns="664760" bIns="664760" numCol="1" spcCol="1270" anchor="ctr" anchorCtr="0">
+              <a:noAutofit/>
+            </a:bodyPr>
+            <a:lstStyle/>
+            <a:p>
+              <a:pPr lvl="0" algn="ctr" defTabSz="933450">
+                <a:lnSpc>
+                  <a:spcPct val="90000"/>
+                </a:lnSpc>
+                <a:spcBef>
+                  <a:spcPct val="0"/>
+                </a:spcBef>
+                <a:spcAft>
+                  <a:spcPct val="35000"/>
+                </a:spcAft>
+              </a:pPr>
+              <a:r>
+                <a:rPr lang="en-AU" sz="2100" kern="1200" dirty="0" smtClean="0"/>
+                <a:t>Apache log4net</a:t>
+              </a:r>
+              <a:endParaRPr lang="en-AU" sz="2100" kern="1200" dirty="0"/>
+            </a:p>
+          </p:txBody>
+        </p:sp>
+        <p:sp>
+          <p:nvSpPr>
+            <p:cNvPr id="12" name="Freeform 11"/>
+            <p:cNvSpPr/>
+            <p:nvPr/>
+          </p:nvSpPr>
+          <p:spPr>
+            <a:xfrm rot="21600000">
+              <a:off x="2771648" y="3469640"/>
+              <a:ext cx="1759712" cy="1759712"/>
+            </a:xfrm>
+            <a:custGeom>
+              <a:avLst/>
+              <a:gdLst>
+                <a:gd name="connsiteX0" fmla="*/ 0 w 1759712"/>
+                <a:gd name="connsiteY0" fmla="*/ 1759712 h 1759712"/>
+                <a:gd name="connsiteX1" fmla="*/ 1759712 w 1759712"/>
+                <a:gd name="connsiteY1" fmla="*/ 0 h 1759712"/>
+                <a:gd name="connsiteX2" fmla="*/ 1759712 w 1759712"/>
+                <a:gd name="connsiteY2" fmla="*/ 1759712 h 1759712"/>
+                <a:gd name="connsiteX3" fmla="*/ 0 w 1759712"/>
+                <a:gd name="connsiteY3" fmla="*/ 1759712 h 1759712"/>
+              </a:gdLst>
+              <a:ahLst/>
+              <a:cxnLst>
+                <a:cxn ang="0">
+                  <a:pos x="connsiteX0" y="connsiteY0"/>
+                </a:cxn>
+                <a:cxn ang="0">
+                  <a:pos x="connsiteX1" y="connsiteY1"/>
+                </a:cxn>
+                <a:cxn ang="0">
+                  <a:pos x="connsiteX2" y="connsiteY2"/>
+                </a:cxn>
+                <a:cxn ang="0">
+                  <a:pos x="connsiteX3" y="connsiteY3"/>
+                </a:cxn>
+              </a:cxnLst>
+              <a:rect l="l" t="t" r="r" b="b"/>
+              <a:pathLst>
+                <a:path w="1759712" h="1759712">
+                  <a:moveTo>
+                    <a:pt x="1759712" y="1759712"/>
+                  </a:moveTo>
+                  <a:cubicBezTo>
+                    <a:pt x="787850" y="1759712"/>
+                    <a:pt x="0" y="971862"/>
+                    <a:pt x="0" y="0"/>
+                  </a:cubicBezTo>
+                  <a:lnTo>
+                    <a:pt x="1759712" y="0"/>
+                  </a:lnTo>
+                  <a:lnTo>
+                    <a:pt x="1759712" y="1759712"/>
+                  </a:lnTo>
+                  <a:close/>
+                </a:path>
+              </a:pathLst>
+            </a:custGeom>
+          </p:spPr>
+          <p:style>
+            <a:lnRef idx="2">
+              <a:schemeClr val="lt1">
+                <a:hueOff val="0"/>
+                <a:satOff val="0"/>
+                <a:lumOff val="0"/>
+                <a:alphaOff val="0"/>
+              </a:schemeClr>
+            </a:lnRef>
+            <a:fillRef idx="1">
+              <a:schemeClr val="accent5">
+                <a:hueOff val="0"/>
+                <a:satOff val="0"/>
+                <a:lumOff val="0"/>
+                <a:alphaOff val="0"/>
+              </a:schemeClr>
+            </a:fillRef>
+            <a:effectRef idx="0">
+              <a:schemeClr val="accent5">
+                <a:hueOff val="0"/>
+                <a:satOff val="0"/>
+                <a:lumOff val="0"/>
+                <a:alphaOff val="0"/>
+              </a:schemeClr>
+            </a:effectRef>
+            <a:fontRef idx="minor">
+              <a:schemeClr val="lt1"/>
+            </a:fontRef>
+          </p:style>
+          <p:txBody>
+            <a:bodyPr spcFirstLastPara="0" vert="horz" wrap="square" lIns="664760" tIns="149352" rIns="149351" bIns="664760" numCol="1" spcCol="1270" anchor="ctr" anchorCtr="0">
+              <a:noAutofit/>
+            </a:bodyPr>
+            <a:lstStyle/>
+            <a:p>
+              <a:pPr lvl="0" algn="ctr" defTabSz="933450">
+                <a:lnSpc>
+                  <a:spcPct val="90000"/>
+                </a:lnSpc>
+                <a:spcBef>
+                  <a:spcPct val="0"/>
+                </a:spcBef>
+                <a:spcAft>
+                  <a:spcPct val="35000"/>
+                </a:spcAft>
+              </a:pPr>
+              <a:r>
+                <a:rPr lang="en-AU" sz="2100" kern="1200" dirty="0" smtClean="0"/>
+                <a:t>Octopus Deploy</a:t>
+              </a:r>
+              <a:endParaRPr lang="en-AU" sz="2100" kern="1200" dirty="0"/>
+            </a:p>
+          </p:txBody>
+        </p:sp>
+      </p:grpSp>
     </p:spTree>
     <p:extLst>
       <p:ext uri="{BB962C8B-B14F-4D97-AF65-F5344CB8AC3E}">
-        <p14:creationId xmlns:p14="http://schemas.microsoft.com/office/powerpoint/2010/main" val="966059976"/>
+        <p14:creationId xmlns:p14="http://schemas.microsoft.com/office/powerpoint/2010/main" val="2666618858"/>
       </p:ext>
     </p:extLst>
   </p:cSld>
@@ -4314,7 +5624,7 @@
                 <a:effectLst/>
                 <a:latin typeface="+mn-lt"/>
               </a:rPr>
-              <a:t>Opportunity</a:t>
+              <a:t>Hadoop Value Equation</a:t>
             </a:r>
             <a:endParaRPr lang="en-AU" sz="5400" dirty="0">
               <a:solidFill>
@@ -4327,29 +5637,10 @@
           </a:p>
         </p:txBody>
       </p:sp>
-      <p:sp>
-        <p:nvSpPr>
-          <p:cNvPr id="3" name="Content Placeholder 2"/>
-          <p:cNvSpPr>
-            <a:spLocks noGrp="1"/>
-          </p:cNvSpPr>
-          <p:nvPr>
-            <p:ph idx="1"/>
-          </p:nvPr>
-        </p:nvSpPr>
-        <p:spPr/>
-        <p:txBody>
-          <a:bodyPr/>
-          <a:lstStyle/>
-          <a:p>
-            <a:endParaRPr lang="en-AU" dirty="0"/>
-          </a:p>
-        </p:txBody>
-      </p:sp>
     </p:spTree>
     <p:extLst>
       <p:ext uri="{BB962C8B-B14F-4D97-AF65-F5344CB8AC3E}">
-        <p14:creationId xmlns:p14="http://schemas.microsoft.com/office/powerpoint/2010/main" val="3830235187"/>
+        <p14:creationId xmlns:p14="http://schemas.microsoft.com/office/powerpoint/2010/main" val="966059976"/>
       </p:ext>
     </p:extLst>
   </p:cSld>
@@ -4439,7 +5730,7 @@
     </p:spTree>
     <p:extLst>
       <p:ext uri="{BB962C8B-B14F-4D97-AF65-F5344CB8AC3E}">
-        <p14:creationId xmlns:p14="http://schemas.microsoft.com/office/powerpoint/2010/main" val="4146635880"/>
+        <p14:creationId xmlns:p14="http://schemas.microsoft.com/office/powerpoint/2010/main" val="3830235187"/>
       </p:ext>
     </p:extLst>
   </p:cSld>
@@ -4494,7 +5785,7 @@
                 <a:effectLst/>
                 <a:latin typeface="+mn-lt"/>
               </a:rPr>
-              <a:t>Architecture</a:t>
+              <a:t>Opportunity</a:t>
             </a:r>
             <a:endParaRPr lang="en-AU" sz="5400" dirty="0">
               <a:solidFill>
@@ -4522,6 +5813,96 @@
           <a:bodyPr/>
           <a:lstStyle/>
           <a:p>
+            <a:endParaRPr lang="en-AU" dirty="0"/>
+          </a:p>
+        </p:txBody>
+      </p:sp>
+    </p:spTree>
+    <p:extLst>
+      <p:ext uri="{BB962C8B-B14F-4D97-AF65-F5344CB8AC3E}">
+        <p14:creationId xmlns:p14="http://schemas.microsoft.com/office/powerpoint/2010/main" val="4146635880"/>
+      </p:ext>
+    </p:extLst>
+  </p:cSld>
+  <p:clrMapOvr>
+    <a:masterClrMapping/>
+  </p:clrMapOvr>
+</p:sld>
+</file>
+
+<file path=ppt/slides/slide7.xml><?xml version="1.0" encoding="utf-8"?>
+<p:sld xmlns:a="http://schemas.openxmlformats.org/drawingml/2006/main" xmlns:r="http://schemas.openxmlformats.org/officeDocument/2006/relationships" xmlns:p="http://schemas.openxmlformats.org/presentationml/2006/main">
+  <p:cSld>
+    <p:spTree>
+      <p:nvGrpSpPr>
+        <p:cNvPr id="1" name=""/>
+        <p:cNvGrpSpPr/>
+        <p:nvPr/>
+      </p:nvGrpSpPr>
+      <p:grpSpPr>
+        <a:xfrm>
+          <a:off x="0" y="0"/>
+          <a:ext cx="0" cy="0"/>
+          <a:chOff x="0" y="0"/>
+          <a:chExt cx="0" cy="0"/>
+        </a:xfrm>
+      </p:grpSpPr>
+      <p:sp>
+        <p:nvSpPr>
+          <p:cNvPr id="2" name="Title 1"/>
+          <p:cNvSpPr>
+            <a:spLocks noGrp="1"/>
+          </p:cNvSpPr>
+          <p:nvPr>
+            <p:ph type="title"/>
+          </p:nvPr>
+        </p:nvSpPr>
+        <p:spPr/>
+        <p:txBody>
+          <a:bodyPr/>
+          <a:lstStyle/>
+          <a:p>
+            <a:r>
+              <a:rPr lang="en-AU" sz="5400" b="0" dirty="0" smtClean="0">
+                <a:ln>
+                  <a:noFill/>
+                </a:ln>
+                <a:solidFill>
+                  <a:schemeClr val="bg1">
+                    <a:lumMod val="65000"/>
+                  </a:schemeClr>
+                </a:solidFill>
+                <a:effectLst/>
+                <a:latin typeface="+mn-lt"/>
+              </a:rPr>
+              <a:t>Architecture</a:t>
+            </a:r>
+            <a:endParaRPr lang="en-AU" sz="5400" dirty="0">
+              <a:solidFill>
+                <a:schemeClr val="bg1">
+                  <a:lumMod val="65000"/>
+                </a:schemeClr>
+              </a:solidFill>
+              <a:latin typeface="+mn-lt"/>
+            </a:endParaRPr>
+          </a:p>
+        </p:txBody>
+      </p:sp>
+      <p:sp>
+        <p:nvSpPr>
+          <p:cNvPr id="3" name="Content Placeholder 2"/>
+          <p:cNvSpPr>
+            <a:spLocks noGrp="1"/>
+          </p:cNvSpPr>
+          <p:nvPr>
+            <p:ph idx="1"/>
+          </p:nvPr>
+        </p:nvSpPr>
+        <p:spPr/>
+        <p:txBody>
+          <a:bodyPr/>
+          <a:lstStyle/>
+          <a:p>
             <a:r>
               <a:rPr lang="en-AU" dirty="0" smtClean="0"/>
               <a:t>C# client library</a:t>
@@ -4529,18 +5910,22 @@
           </a:p>
           <a:p>
             <a:r>
+              <a:rPr lang="en-AU" dirty="0" err="1" smtClean="0"/>
+              <a:t>Golang</a:t>
+            </a:r>
+            <a:r>
               <a:rPr lang="en-AU" dirty="0" smtClean="0"/>
-              <a:t>C server</a:t>
-            </a:r>
-          </a:p>
-          <a:p>
+              <a:t> </a:t>
+            </a:r>
             <a:r>
               <a:rPr lang="en-AU" dirty="0" smtClean="0"/>
-              <a:t>C</a:t>
-            </a:r>
-            <a:r>
-              <a:rPr lang="en-AU" smtClean="0"/>
-              <a:t># server UI</a:t>
+              <a:t>server</a:t>
+            </a:r>
+          </a:p>
+          <a:p>
+            <a:r>
+              <a:rPr lang="en-AU" dirty="0" smtClean="0"/>
+              <a:t>C# server UI</a:t>
             </a:r>
           </a:p>
           <a:p>
@@ -4564,7 +5949,7 @@
 </p:sld>
 </file>
 
-<file path=ppt/slides/slide7.xml><?xml version="1.0" encoding="utf-8"?>
+<file path=ppt/slides/slide8.xml><?xml version="1.0" encoding="utf-8"?>
 <p:sld xmlns:a="http://schemas.openxmlformats.org/drawingml/2006/main" xmlns:r="http://schemas.openxmlformats.org/officeDocument/2006/relationships" xmlns:p="http://schemas.openxmlformats.org/presentationml/2006/main">
   <p:cSld>
     <p:spTree>
